--- a/presentation_Slide/Avionics Safety Report.pptx
+++ b/presentation_Slide/Avionics Safety Report.pptx
@@ -24310,7 +24310,7 @@
         </p:nvSpPr>
         <p:spPr>
           <a:xfrm>
-            <a:off x="705131" y="2190243"/>
+            <a:off x="978086" y="2190243"/>
             <a:ext cx="3370999" cy="941844"/>
           </a:xfrm>
         </p:spPr>
@@ -24530,7 +24530,7 @@
         </p:nvSpPr>
         <p:spPr>
           <a:xfrm>
-            <a:off x="1967950" y="2626551"/>
+            <a:off x="1967950" y="2605672"/>
             <a:ext cx="2317447" cy="823328"/>
           </a:xfrm>
           <a:prstGeom prst="rect">
@@ -24562,9 +24562,10 @@
           </a:lstStyle>
           <a:p>
             <a:r>
-              <a:rPr lang="en-US" sz="4000" dirty="0"/>
-              <a:t>value</a:t>
+              <a:rPr lang="en-US" sz="4000"/>
+              <a:t>values</a:t>
             </a:r>
+            <a:endParaRPr lang="en-US" sz="4000" dirty="0"/>
           </a:p>
         </p:txBody>
       </p:sp>
@@ -25522,8 +25523,8 @@
         </p:blipFill>
         <p:spPr>
           <a:xfrm>
-            <a:off x="213594" y="1622510"/>
-            <a:ext cx="11612576" cy="4068606"/>
+            <a:off x="361018" y="1489506"/>
+            <a:ext cx="11346350" cy="4728414"/>
           </a:xfrm>
           <a:prstGeom prst="rect">
             <a:avLst/>

--- a/presentation_Slide/Avionics Safety Report.pptx
+++ b/presentation_Slide/Avionics Safety Report.pptx
@@ -5,10 +5,10 @@
     <p:sldMasterId id="2147483648" r:id="rId4"/>
   </p:sldMasterIdLst>
   <p:notesMasterIdLst>
-    <p:notesMasterId r:id="rId14"/>
+    <p:notesMasterId r:id="rId15"/>
   </p:notesMasterIdLst>
   <p:handoutMasterIdLst>
-    <p:handoutMasterId r:id="rId15"/>
+    <p:handoutMasterId r:id="rId16"/>
   </p:handoutMasterIdLst>
   <p:sldIdLst>
     <p:sldId id="292" r:id="rId5"/>
@@ -17,9 +17,10 @@
     <p:sldId id="304" r:id="rId8"/>
     <p:sldId id="303" r:id="rId9"/>
     <p:sldId id="300" r:id="rId10"/>
-    <p:sldId id="305" r:id="rId11"/>
-    <p:sldId id="281" r:id="rId12"/>
-    <p:sldId id="289" r:id="rId13"/>
+    <p:sldId id="306" r:id="rId11"/>
+    <p:sldId id="305" r:id="rId12"/>
+    <p:sldId id="281" r:id="rId13"/>
+    <p:sldId id="289" r:id="rId14"/>
   </p:sldIdLst>
   <p:sldSz cx="12192000" cy="6858000"/>
   <p:notesSz cx="6858000" cy="9144000"/>
@@ -240,7 +241,7 @@
           <a:p>
             <a:fld id="{8CD26A2A-0A96-0647-84E5-C82F2EFD9474}" type="datetimeFigureOut">
               <a:rPr lang="en-US" smtClean="0"/>
-              <a:t>11/16/2023</a:t>
+              <a:t>11/17/2023</a:t>
             </a:fld>
             <a:endParaRPr lang="en-US" dirty="0"/>
           </a:p>
@@ -505,7 +506,7 @@
           <a:p>
             <a:fld id="{D458D246-FB21-4ACB-9068-6447CC7872F8}" type="datetimeFigureOut">
               <a:rPr lang="en-US" smtClean="0"/>
-              <a:t>11/16/2023</a:t>
+              <a:t>11/17/2023</a:t>
             </a:fld>
             <a:endParaRPr lang="en-US"/>
           </a:p>
@@ -828,6 +829,114 @@
 </p:notes>
 </file>
 
+<file path=ppt/notesSlides/notesSlide10.xml><?xml version="1.0" encoding="utf-8"?>
+<p:notes xmlns:a="http://schemas.openxmlformats.org/drawingml/2006/main" xmlns:r="http://schemas.openxmlformats.org/officeDocument/2006/relationships" xmlns:p="http://schemas.openxmlformats.org/presentationml/2006/main">
+  <p:cSld>
+    <p:spTree>
+      <p:nvGrpSpPr>
+        <p:cNvPr id="1" name=""/>
+        <p:cNvGrpSpPr/>
+        <p:nvPr/>
+      </p:nvGrpSpPr>
+      <p:grpSpPr>
+        <a:xfrm>
+          <a:off x="0" y="0"/>
+          <a:ext cx="0" cy="0"/>
+          <a:chOff x="0" y="0"/>
+          <a:chExt cx="0" cy="0"/>
+        </a:xfrm>
+      </p:grpSpPr>
+      <p:sp>
+        <p:nvSpPr>
+          <p:cNvPr id="2" name="Slide Image Placeholder 1"/>
+          <p:cNvSpPr>
+            <a:spLocks noGrp="1" noRot="1" noChangeAspect="1"/>
+          </p:cNvSpPr>
+          <p:nvPr>
+            <p:ph type="sldImg"/>
+          </p:nvPr>
+        </p:nvSpPr>
+        <p:spPr>
+          <a:xfrm>
+            <a:off x="685800" y="1143000"/>
+            <a:ext cx="5486400" cy="3086100"/>
+          </a:xfrm>
+          <a:prstGeom prst="rect">
+            <a:avLst/>
+          </a:prstGeom>
+        </p:spPr>
+      </p:sp>
+      <p:sp>
+        <p:nvSpPr>
+          <p:cNvPr id="3" name="Notes Placeholder 2"/>
+          <p:cNvSpPr>
+            <a:spLocks noGrp="1"/>
+          </p:cNvSpPr>
+          <p:nvPr>
+            <p:ph type="body" idx="1"/>
+          </p:nvPr>
+        </p:nvSpPr>
+        <p:spPr>
+          <a:xfrm>
+            <a:off x="685800" y="4400550"/>
+            <a:ext cx="5486400" cy="3600450"/>
+          </a:xfrm>
+          <a:prstGeom prst="rect">
+            <a:avLst/>
+          </a:prstGeom>
+        </p:spPr>
+        <p:txBody>
+          <a:bodyPr/>
+          <a:lstStyle/>
+          <a:p>
+            <a:endParaRPr lang="en-US"/>
+          </a:p>
+        </p:txBody>
+      </p:sp>
+      <p:sp>
+        <p:nvSpPr>
+          <p:cNvPr id="4" name="Slide Number Placeholder 3"/>
+          <p:cNvSpPr>
+            <a:spLocks noGrp="1"/>
+          </p:cNvSpPr>
+          <p:nvPr>
+            <p:ph type="sldNum" sz="quarter" idx="5"/>
+          </p:nvPr>
+        </p:nvSpPr>
+        <p:spPr>
+          <a:xfrm>
+            <a:off x="3884613" y="8685213"/>
+            <a:ext cx="2971800" cy="458787"/>
+          </a:xfrm>
+          <a:prstGeom prst="rect">
+            <a:avLst/>
+          </a:prstGeom>
+        </p:spPr>
+        <p:txBody>
+          <a:bodyPr/>
+          <a:lstStyle/>
+          <a:p>
+            <a:fld id="{017105BD-6D6F-49DB-9DE4-D4A6452D7E5F}" type="slidenum">
+              <a:rPr lang="en-US" altLang="zh-CN" noProof="0" smtClean="0"/>
+              <a:t>10</a:t>
+            </a:fld>
+            <a:endParaRPr lang="en-US" altLang="zh-CN" noProof="0" dirty="0"/>
+          </a:p>
+        </p:txBody>
+      </p:sp>
+    </p:spTree>
+    <p:extLst>
+      <p:ext uri="{BB962C8B-B14F-4D97-AF65-F5344CB8AC3E}">
+        <p14:creationId xmlns:p14="http://schemas.microsoft.com/office/powerpoint/2010/main" val="3077670363"/>
+      </p:ext>
+    </p:extLst>
+  </p:cSld>
+  <p:clrMapOvr>
+    <a:masterClrMapping/>
+  </p:clrMapOvr>
+</p:notes>
+</file>
+
 <file path=ppt/notesSlides/notesSlide2.xml><?xml version="1.0" encoding="utf-8"?>
 <p:notes xmlns:a="http://schemas.openxmlformats.org/drawingml/2006/main" xmlns:r="http://schemas.openxmlformats.org/officeDocument/2006/relationships" xmlns:p="http://schemas.openxmlformats.org/presentationml/2006/main">
   <p:cSld>
@@ -1466,7 +1575,7 @@
     </p:spTree>
     <p:extLst>
       <p:ext uri="{BB962C8B-B14F-4D97-AF65-F5344CB8AC3E}">
-        <p14:creationId xmlns:p14="http://schemas.microsoft.com/office/powerpoint/2010/main" val="2876510446"/>
+        <p14:creationId xmlns:p14="http://schemas.microsoft.com/office/powerpoint/2010/main" val="2438919609"/>
       </p:ext>
     </p:extLst>
   </p:cSld>
@@ -1536,7 +1645,7 @@
           <a:bodyPr/>
           <a:lstStyle/>
           <a:p>
-            <a:endParaRPr lang="en-US" dirty="0"/>
+            <a:endParaRPr lang="en-US"/>
           </a:p>
         </p:txBody>
       </p:sp>
@@ -1564,17 +1673,17 @@
           <a:lstStyle/>
           <a:p>
             <a:fld id="{017105BD-6D6F-49DB-9DE4-D4A6452D7E5F}" type="slidenum">
-              <a:rPr lang="en-US" altLang="zh-CN" smtClean="0"/>
+              <a:rPr lang="en-US" altLang="zh-CN" noProof="0" smtClean="0"/>
               <a:t>8</a:t>
             </a:fld>
-            <a:endParaRPr lang="en-US" altLang="zh-CN" dirty="0"/>
+            <a:endParaRPr lang="en-US" altLang="zh-CN" noProof="0" dirty="0"/>
           </a:p>
         </p:txBody>
       </p:sp>
     </p:spTree>
     <p:extLst>
       <p:ext uri="{BB962C8B-B14F-4D97-AF65-F5344CB8AC3E}">
-        <p14:creationId xmlns:p14="http://schemas.microsoft.com/office/powerpoint/2010/main" val="1077465067"/>
+        <p14:creationId xmlns:p14="http://schemas.microsoft.com/office/powerpoint/2010/main" val="2876510446"/>
       </p:ext>
     </p:extLst>
   </p:cSld>
@@ -1644,7 +1753,7 @@
           <a:bodyPr/>
           <a:lstStyle/>
           <a:p>
-            <a:endParaRPr lang="en-US"/>
+            <a:endParaRPr lang="en-US" dirty="0"/>
           </a:p>
         </p:txBody>
       </p:sp>
@@ -1672,17 +1781,17 @@
           <a:lstStyle/>
           <a:p>
             <a:fld id="{017105BD-6D6F-49DB-9DE4-D4A6452D7E5F}" type="slidenum">
-              <a:rPr lang="en-US" altLang="zh-CN" noProof="0" smtClean="0"/>
+              <a:rPr lang="en-US" altLang="zh-CN" smtClean="0"/>
               <a:t>9</a:t>
             </a:fld>
-            <a:endParaRPr lang="en-US" altLang="zh-CN" noProof="0" dirty="0"/>
+            <a:endParaRPr lang="en-US" altLang="zh-CN" dirty="0"/>
           </a:p>
         </p:txBody>
       </p:sp>
     </p:spTree>
     <p:extLst>
       <p:ext uri="{BB962C8B-B14F-4D97-AF65-F5344CB8AC3E}">
-        <p14:creationId xmlns:p14="http://schemas.microsoft.com/office/powerpoint/2010/main" val="3077670363"/>
+        <p14:creationId xmlns:p14="http://schemas.microsoft.com/office/powerpoint/2010/main" val="1077465067"/>
       </p:ext>
     </p:extLst>
   </p:cSld>
@@ -23745,6 +23854,98 @@
 </p:sld>
 </file>
 
+<file path=ppt/slides/slide10.xml><?xml version="1.0" encoding="utf-8"?>
+<p:sld xmlns:a="http://schemas.openxmlformats.org/drawingml/2006/main" xmlns:r="http://schemas.openxmlformats.org/officeDocument/2006/relationships" xmlns:p="http://schemas.openxmlformats.org/presentationml/2006/main">
+  <p:cSld>
+    <p:spTree>
+      <p:nvGrpSpPr>
+        <p:cNvPr id="1" name=""/>
+        <p:cNvGrpSpPr/>
+        <p:nvPr/>
+      </p:nvGrpSpPr>
+      <p:grpSpPr>
+        <a:xfrm>
+          <a:off x="0" y="0"/>
+          <a:ext cx="0" cy="0"/>
+          <a:chOff x="0" y="0"/>
+          <a:chExt cx="0" cy="0"/>
+        </a:xfrm>
+      </p:grpSpPr>
+      <p:sp>
+        <p:nvSpPr>
+          <p:cNvPr id="24" name="Title 23">
+            <a:extLst>
+              <a:ext uri="{FF2B5EF4-FFF2-40B4-BE49-F238E27FC236}">
+                <a16:creationId xmlns:a16="http://schemas.microsoft.com/office/drawing/2014/main" id="{AD2C8D04-263D-9589-1CFF-A5968D7C33D7}"/>
+              </a:ext>
+            </a:extLst>
+          </p:cNvPr>
+          <p:cNvSpPr>
+            <a:spLocks noGrp="1"/>
+          </p:cNvSpPr>
+          <p:nvPr>
+            <p:ph type="title"/>
+          </p:nvPr>
+        </p:nvSpPr>
+        <p:spPr>
+          <a:xfrm>
+            <a:off x="5891284" y="2766218"/>
+            <a:ext cx="5055698" cy="1325563"/>
+          </a:xfrm>
+        </p:spPr>
+        <p:txBody>
+          <a:bodyPr/>
+          <a:lstStyle/>
+          <a:p>
+            <a:r>
+              <a:rPr lang="en-US" dirty="0"/>
+              <a:t>Thank you</a:t>
+            </a:r>
+          </a:p>
+        </p:txBody>
+      </p:sp>
+      <p:pic>
+        <p:nvPicPr>
+          <p:cNvPr id="18" name="Picture Placeholder 17" descr="Layout of website design sketches on white paper">
+            <a:extLst>
+              <a:ext uri="{FF2B5EF4-FFF2-40B4-BE49-F238E27FC236}">
+                <a16:creationId xmlns:a16="http://schemas.microsoft.com/office/drawing/2014/main" id="{1051CD21-1408-4D13-BF0B-0D7013AD2D0C}"/>
+              </a:ext>
+            </a:extLst>
+          </p:cNvPr>
+          <p:cNvPicPr>
+            <a:picLocks noGrp="1" noChangeAspect="1"/>
+          </p:cNvPicPr>
+          <p:nvPr>
+            <p:ph type="pic" sz="quarter" idx="51"/>
+          </p:nvPr>
+        </p:nvPicPr>
+        <p:blipFill rotWithShape="1">
+          <a:blip r:embed="rId3" cstate="print">
+            <a:extLst>
+              <a:ext uri="{28A0092B-C50C-407E-A947-70E740481C1C}">
+                <a14:useLocalDpi xmlns:a14="http://schemas.microsoft.com/office/drawing/2010/main"/>
+              </a:ext>
+            </a:extLst>
+          </a:blip>
+          <a:srcRect/>
+          <a:stretch/>
+        </p:blipFill>
+        <p:spPr/>
+      </p:pic>
+    </p:spTree>
+    <p:extLst>
+      <p:ext uri="{BB962C8B-B14F-4D97-AF65-F5344CB8AC3E}">
+        <p14:creationId xmlns:p14="http://schemas.microsoft.com/office/powerpoint/2010/main" val="529279411"/>
+      </p:ext>
+    </p:extLst>
+  </p:cSld>
+  <p:clrMapOvr>
+    <a:masterClrMapping/>
+  </p:clrMapOvr>
+</p:sld>
+</file>
+
 <file path=ppt/slides/slide2.xml><?xml version="1.0" encoding="utf-8"?>
 <p:sld xmlns:a="http://schemas.openxmlformats.org/drawingml/2006/main" xmlns:r="http://schemas.openxmlformats.org/officeDocument/2006/relationships" xmlns:p="http://schemas.openxmlformats.org/presentationml/2006/main">
   <p:cSld>
@@ -24585,8 +24786,8 @@
         </p:nvSpPr>
         <p:spPr>
           <a:xfrm>
-            <a:off x="5291070" y="1770760"/>
-            <a:ext cx="6132395" cy="2797866"/>
+            <a:off x="5291070" y="2605672"/>
+            <a:ext cx="6132395" cy="1388698"/>
           </a:xfrm>
           <a:prstGeom prst="rect">
             <a:avLst/>
@@ -24763,17 +24964,9 @@
           <a:p>
             <a:pPr algn="ctr"/>
             <a:r>
-              <a:rPr lang="en-US" b="0" dirty="0">
-                <a:solidFill>
-                  <a:srgbClr val="000000"/>
-                </a:solidFill>
-              </a:rPr>
-              <a:t>After establishing an avionics department, our company will be responsible for lives or goods (depending) and therefore this research will help our company fiscally later.</a:t>
+              <a:rPr lang="en-US" dirty="0"/>
+              <a:t>Post avionics department setup, our responsibility shifts to lives or goods, impacting future fiscal outcomes.</a:t>
             </a:r>
-            <a:endParaRPr lang="en-US" dirty="0"/>
-          </a:p>
-          <a:p>
-            <a:endParaRPr lang="en-US" dirty="0"/>
           </a:p>
           <a:p>
             <a:endParaRPr lang="en-US" dirty="0"/>
@@ -25087,13 +25280,13 @@
           <p:nvPr>
             <p:extLst>
               <p:ext uri="{D42A27DB-BD31-4B8C-83A1-F6EECF244321}">
-                <p14:modId xmlns:p14="http://schemas.microsoft.com/office/powerpoint/2010/main" val="3366255298"/>
+                <p14:modId xmlns:p14="http://schemas.microsoft.com/office/powerpoint/2010/main" val="1532000247"/>
               </p:ext>
             </p:extLst>
           </p:nvPr>
         </p:nvGraphicFramePr>
         <p:xfrm>
-          <a:off x="6096000" y="1498203"/>
+          <a:off x="6096000" y="2373107"/>
           <a:ext cx="3662149" cy="1636551"/>
         </p:xfrm>
         <a:graphic>
@@ -25277,7 +25470,7 @@
         </p:nvSpPr>
         <p:spPr>
           <a:xfrm>
-            <a:off x="6096000" y="1037230"/>
+            <a:off x="6096000" y="1766158"/>
             <a:ext cx="2980520" cy="369332"/>
           </a:xfrm>
           <a:prstGeom prst="rect">
@@ -25345,7 +25538,7 @@
         </p:nvSpPr>
         <p:spPr>
           <a:xfrm>
-            <a:off x="6096000" y="3630304"/>
+            <a:off x="6096000" y="4484893"/>
             <a:ext cx="3989696" cy="369332"/>
           </a:xfrm>
           <a:prstGeom prst="rect">
@@ -25579,8 +25772,8 @@
         </p:nvSpPr>
         <p:spPr>
           <a:xfrm>
-            <a:off x="678569" y="2878116"/>
-            <a:ext cx="2310291" cy="1115434"/>
+            <a:off x="484632" y="2688719"/>
+            <a:ext cx="1862783" cy="1115434"/>
           </a:xfrm>
         </p:spPr>
         <p:txBody>
@@ -25648,6 +25841,157 @@
               <a:rPr lang="en-US" altLang="zh-CN" smtClean="0"/>
               <a:pPr/>
               <a:t>7</a:t>
+            </a:fld>
+            <a:endParaRPr lang="en-US" altLang="zh-CN" dirty="0"/>
+          </a:p>
+        </p:txBody>
+      </p:sp>
+      <p:pic>
+        <p:nvPicPr>
+          <p:cNvPr id="18" name="Picture 17">
+            <a:extLst>
+              <a:ext uri="{FF2B5EF4-FFF2-40B4-BE49-F238E27FC236}">
+                <a16:creationId xmlns:a16="http://schemas.microsoft.com/office/drawing/2014/main" id="{4EBFEB3B-E7BB-9F61-631D-9C37D9ACB562}"/>
+              </a:ext>
+            </a:extLst>
+          </p:cNvPr>
+          <p:cNvPicPr>
+            <a:picLocks noChangeAspect="1"/>
+          </p:cNvPicPr>
+          <p:nvPr/>
+        </p:nvPicPr>
+        <p:blipFill>
+          <a:blip r:embed="rId3"/>
+          <a:srcRect/>
+          <a:stretch/>
+        </p:blipFill>
+        <p:spPr>
+          <a:xfrm>
+            <a:off x="2356873" y="498570"/>
+            <a:ext cx="9639509" cy="5942965"/>
+          </a:xfrm>
+          <a:prstGeom prst="rect">
+            <a:avLst/>
+          </a:prstGeom>
+        </p:spPr>
+      </p:pic>
+    </p:spTree>
+    <p:extLst>
+      <p:ext uri="{BB962C8B-B14F-4D97-AF65-F5344CB8AC3E}">
+        <p14:creationId xmlns:p14="http://schemas.microsoft.com/office/powerpoint/2010/main" val="3890777723"/>
+      </p:ext>
+    </p:extLst>
+  </p:cSld>
+  <p:clrMapOvr>
+    <a:masterClrMapping/>
+  </p:clrMapOvr>
+</p:sld>
+</file>
+
+<file path=ppt/slides/slide8.xml><?xml version="1.0" encoding="utf-8"?>
+<p:sld xmlns:a="http://schemas.openxmlformats.org/drawingml/2006/main" xmlns:r="http://schemas.openxmlformats.org/officeDocument/2006/relationships" xmlns:p="http://schemas.openxmlformats.org/presentationml/2006/main">
+  <p:cSld>
+    <p:spTree>
+      <p:nvGrpSpPr>
+        <p:cNvPr id="1" name=""/>
+        <p:cNvGrpSpPr/>
+        <p:nvPr/>
+      </p:nvGrpSpPr>
+      <p:grpSpPr>
+        <a:xfrm>
+          <a:off x="0" y="0"/>
+          <a:ext cx="0" cy="0"/>
+          <a:chOff x="0" y="0"/>
+          <a:chExt cx="0" cy="0"/>
+        </a:xfrm>
+      </p:grpSpPr>
+      <p:sp>
+        <p:nvSpPr>
+          <p:cNvPr id="10" name="Title 9">
+            <a:extLst>
+              <a:ext uri="{FF2B5EF4-FFF2-40B4-BE49-F238E27FC236}">
+                <a16:creationId xmlns:a16="http://schemas.microsoft.com/office/drawing/2014/main" id="{4C6EC6F6-F346-241D-C2AD-CEA21AF2E091}"/>
+              </a:ext>
+            </a:extLst>
+          </p:cNvPr>
+          <p:cNvSpPr>
+            <a:spLocks noGrp="1"/>
+          </p:cNvSpPr>
+          <p:nvPr>
+            <p:ph type="title"/>
+          </p:nvPr>
+        </p:nvSpPr>
+        <p:spPr>
+          <a:xfrm>
+            <a:off x="678569" y="2878116"/>
+            <a:ext cx="2310291" cy="1115434"/>
+          </a:xfrm>
+        </p:spPr>
+        <p:txBody>
+          <a:bodyPr/>
+          <a:lstStyle/>
+          <a:p>
+            <a:r>
+              <a:rPr lang="en-US" dirty="0"/>
+              <a:t>Result</a:t>
+            </a:r>
+          </a:p>
+        </p:txBody>
+      </p:sp>
+      <p:sp>
+        <p:nvSpPr>
+          <p:cNvPr id="4" name="Footer Placeholder 3">
+            <a:extLst>
+              <a:ext uri="{FF2B5EF4-FFF2-40B4-BE49-F238E27FC236}">
+                <a16:creationId xmlns:a16="http://schemas.microsoft.com/office/drawing/2014/main" id="{8FD23934-4A07-2183-483D-999C4EEC4F76}"/>
+              </a:ext>
+            </a:extLst>
+          </p:cNvPr>
+          <p:cNvSpPr>
+            <a:spLocks noGrp="1"/>
+          </p:cNvSpPr>
+          <p:nvPr>
+            <p:ph type="ftr" sz="quarter" idx="28"/>
+          </p:nvPr>
+        </p:nvSpPr>
+        <p:spPr/>
+        <p:txBody>
+          <a:bodyPr/>
+          <a:lstStyle/>
+          <a:p>
+            <a:r>
+              <a:rPr lang="en-US" altLang="zh-CN" dirty="0"/>
+              <a:t>Avionics Safety Report</a:t>
+            </a:r>
+            <a:endParaRPr lang="en-US" noProof="0" dirty="0"/>
+          </a:p>
+        </p:txBody>
+      </p:sp>
+      <p:sp>
+        <p:nvSpPr>
+          <p:cNvPr id="5" name="Slide Number Placeholder 4">
+            <a:extLst>
+              <a:ext uri="{FF2B5EF4-FFF2-40B4-BE49-F238E27FC236}">
+                <a16:creationId xmlns:a16="http://schemas.microsoft.com/office/drawing/2014/main" id="{EFE20B9D-3E1B-ACAC-E328-901AE7E6D939}"/>
+              </a:ext>
+            </a:extLst>
+          </p:cNvPr>
+          <p:cNvSpPr>
+            <a:spLocks noGrp="1"/>
+          </p:cNvSpPr>
+          <p:nvPr>
+            <p:ph type="sldNum" sz="quarter" idx="29"/>
+          </p:nvPr>
+        </p:nvSpPr>
+        <p:spPr/>
+        <p:txBody>
+          <a:bodyPr/>
+          <a:lstStyle/>
+          <a:p>
+            <a:fld id="{47FEACEE-25B4-4A2D-B147-27296E36371D}" type="slidenum">
+              <a:rPr lang="en-US" altLang="zh-CN" smtClean="0"/>
+              <a:pPr/>
+              <a:t>8</a:t>
             </a:fld>
             <a:endParaRPr lang="en-US" altLang="zh-CN" dirty="0"/>
           </a:p>
@@ -25695,7 +26039,7 @@
 </p:sld>
 </file>
 
-<file path=ppt/slides/slide8.xml><?xml version="1.0" encoding="utf-8"?>
+<file path=ppt/slides/slide9.xml><?xml version="1.0" encoding="utf-8"?>
 <p:sld xmlns:a="http://schemas.openxmlformats.org/drawingml/2006/main" xmlns:r="http://schemas.openxmlformats.org/officeDocument/2006/relationships" xmlns:p="http://schemas.openxmlformats.org/presentationml/2006/main">
   <p:cSld>
     <p:spTree>
@@ -25988,7 +26332,7 @@
             <a:fld id="{47FEACEE-25B4-4A2D-B147-27296E36371D}" type="slidenum">
               <a:rPr lang="en-US" altLang="zh-CN" smtClean="0"/>
               <a:pPr/>
-              <a:t>8</a:t>
+              <a:t>9</a:t>
             </a:fld>
             <a:endParaRPr lang="en-US" altLang="zh-CN" dirty="0"/>
           </a:p>
@@ -25998,98 +26342,6 @@
     <p:extLst>
       <p:ext uri="{BB962C8B-B14F-4D97-AF65-F5344CB8AC3E}">
         <p14:creationId xmlns:p14="http://schemas.microsoft.com/office/powerpoint/2010/main" val="2107888131"/>
-      </p:ext>
-    </p:extLst>
-  </p:cSld>
-  <p:clrMapOvr>
-    <a:masterClrMapping/>
-  </p:clrMapOvr>
-</p:sld>
-</file>
-
-<file path=ppt/slides/slide9.xml><?xml version="1.0" encoding="utf-8"?>
-<p:sld xmlns:a="http://schemas.openxmlformats.org/drawingml/2006/main" xmlns:r="http://schemas.openxmlformats.org/officeDocument/2006/relationships" xmlns:p="http://schemas.openxmlformats.org/presentationml/2006/main">
-  <p:cSld>
-    <p:spTree>
-      <p:nvGrpSpPr>
-        <p:cNvPr id="1" name=""/>
-        <p:cNvGrpSpPr/>
-        <p:nvPr/>
-      </p:nvGrpSpPr>
-      <p:grpSpPr>
-        <a:xfrm>
-          <a:off x="0" y="0"/>
-          <a:ext cx="0" cy="0"/>
-          <a:chOff x="0" y="0"/>
-          <a:chExt cx="0" cy="0"/>
-        </a:xfrm>
-      </p:grpSpPr>
-      <p:sp>
-        <p:nvSpPr>
-          <p:cNvPr id="24" name="Title 23">
-            <a:extLst>
-              <a:ext uri="{FF2B5EF4-FFF2-40B4-BE49-F238E27FC236}">
-                <a16:creationId xmlns:a16="http://schemas.microsoft.com/office/drawing/2014/main" id="{AD2C8D04-263D-9589-1CFF-A5968D7C33D7}"/>
-              </a:ext>
-            </a:extLst>
-          </p:cNvPr>
-          <p:cNvSpPr>
-            <a:spLocks noGrp="1"/>
-          </p:cNvSpPr>
-          <p:nvPr>
-            <p:ph type="title"/>
-          </p:nvPr>
-        </p:nvSpPr>
-        <p:spPr>
-          <a:xfrm>
-            <a:off x="5891284" y="2766218"/>
-            <a:ext cx="5055698" cy="1325563"/>
-          </a:xfrm>
-        </p:spPr>
-        <p:txBody>
-          <a:bodyPr/>
-          <a:lstStyle/>
-          <a:p>
-            <a:r>
-              <a:rPr lang="en-US" dirty="0"/>
-              <a:t>Thank you</a:t>
-            </a:r>
-          </a:p>
-        </p:txBody>
-      </p:sp>
-      <p:pic>
-        <p:nvPicPr>
-          <p:cNvPr id="18" name="Picture Placeholder 17" descr="Layout of website design sketches on white paper">
-            <a:extLst>
-              <a:ext uri="{FF2B5EF4-FFF2-40B4-BE49-F238E27FC236}">
-                <a16:creationId xmlns:a16="http://schemas.microsoft.com/office/drawing/2014/main" id="{1051CD21-1408-4D13-BF0B-0D7013AD2D0C}"/>
-              </a:ext>
-            </a:extLst>
-          </p:cNvPr>
-          <p:cNvPicPr>
-            <a:picLocks noGrp="1" noChangeAspect="1"/>
-          </p:cNvPicPr>
-          <p:nvPr>
-            <p:ph type="pic" sz="quarter" idx="51"/>
-          </p:nvPr>
-        </p:nvPicPr>
-        <p:blipFill rotWithShape="1">
-          <a:blip r:embed="rId3" cstate="print">
-            <a:extLst>
-              <a:ext uri="{28A0092B-C50C-407E-A947-70E740481C1C}">
-                <a14:useLocalDpi xmlns:a14="http://schemas.microsoft.com/office/drawing/2010/main"/>
-              </a:ext>
-            </a:extLst>
-          </a:blip>
-          <a:srcRect/>
-          <a:stretch/>
-        </p:blipFill>
-        <p:spPr/>
-      </p:pic>
-    </p:spTree>
-    <p:extLst>
-      <p:ext uri="{BB962C8B-B14F-4D97-AF65-F5344CB8AC3E}">
-        <p14:creationId xmlns:p14="http://schemas.microsoft.com/office/powerpoint/2010/main" val="529279411"/>
       </p:ext>
     </p:extLst>
   </p:cSld>
@@ -26916,6 +27168,15 @@
 </file>
 
 <file path=customXml/item1.xml><?xml version="1.0" encoding="utf-8"?>
+<?mso-contentType ?>
+<FormTemplates xmlns="http://schemas.microsoft.com/sharepoint/v3/contenttype/forms">
+  <Display>DocumentLibraryForm</Display>
+  <Edit>DocumentLibraryForm</Edit>
+  <New>DocumentLibraryForm</New>
+</FormTemplates>
+</file>
+
+<file path=customXml/item2.xml><?xml version="1.0" encoding="utf-8"?>
 <p:properties xmlns:p="http://schemas.microsoft.com/office/2006/metadata/properties" xmlns:xsi="http://www.w3.org/2001/XMLSchema-instance" xmlns:pc="http://schemas.microsoft.com/office/infopath/2007/PartnerControls">
   <documentManagement>
     <_ip_UnifiedCompliancePolicyUIAction xmlns="http://schemas.microsoft.com/sharepoint/v3" xsi:nil="true"/>
@@ -26933,15 +27194,6 @@
     <MediaServiceKeyPoints xmlns="71af3243-3dd4-4a8d-8c0d-dd76da1f02a5" xsi:nil="true"/>
   </documentManagement>
 </p:properties>
-</file>
-
-<file path=customXml/item2.xml><?xml version="1.0" encoding="utf-8"?>
-<?mso-contentType ?>
-<FormTemplates xmlns="http://schemas.microsoft.com/sharepoint/v3/contenttype/forms">
-  <Display>DocumentLibraryForm</Display>
-  <Edit>DocumentLibraryForm</Edit>
-  <New>DocumentLibraryForm</New>
-</FormTemplates>
 </file>
 
 <file path=customXml/item3.xml><?xml version="1.0" encoding="utf-8"?>
@@ -27257,6 +27509,14 @@
 </file>
 
 <file path=customXml/itemProps1.xml><?xml version="1.0" encoding="utf-8"?>
+<ds:datastoreItem xmlns:ds="http://schemas.openxmlformats.org/officeDocument/2006/customXml" ds:itemID="{45515263-A3DE-4193-B6AA-5C449C94519F}">
+  <ds:schemaRefs>
+    <ds:schemaRef ds:uri="http://schemas.microsoft.com/sharepoint/v3/contenttype/forms"/>
+  </ds:schemaRefs>
+</ds:datastoreItem>
+</file>
+
+<file path=customXml/itemProps2.xml><?xml version="1.0" encoding="utf-8"?>
 <ds:datastoreItem xmlns:ds="http://schemas.openxmlformats.org/officeDocument/2006/customXml" ds:itemID="{A0AD9BE2-6B3D-4616-B044-300A8177DEA5}">
   <ds:schemaRefs>
     <ds:schemaRef ds:uri="http://schemas.microsoft.com/office/2006/metadata/properties"/>
@@ -27264,14 +27524,6 @@
     <ds:schemaRef ds:uri="http://schemas.microsoft.com/sharepoint/v3"/>
     <ds:schemaRef ds:uri="71af3243-3dd4-4a8d-8c0d-dd76da1f02a5"/>
     <ds:schemaRef ds:uri="230e9df3-be65-4c73-a93b-d1236ebd677e"/>
-  </ds:schemaRefs>
-</ds:datastoreItem>
-</file>
-
-<file path=customXml/itemProps2.xml><?xml version="1.0" encoding="utf-8"?>
-<ds:datastoreItem xmlns:ds="http://schemas.openxmlformats.org/officeDocument/2006/customXml" ds:itemID="{45515263-A3DE-4193-B6AA-5C449C94519F}">
-  <ds:schemaRefs>
-    <ds:schemaRef ds:uri="http://schemas.microsoft.com/sharepoint/v3/contenttype/forms"/>
   </ds:schemaRefs>
 </ds:datastoreItem>
 </file>

--- a/presentation_Slide/Avionics Safety Report.pptx
+++ b/presentation_Slide/Avionics Safety Report.pptx
@@ -24964,12 +24964,12 @@
           <a:p>
             <a:pPr algn="ctr"/>
             <a:r>
-              <a:rPr lang="en-US" dirty="0"/>
+              <a:rPr lang="en-US" b="0" dirty="0"/>
               <a:t>Post avionics department setup, our responsibility shifts to lives or goods, impacting future fiscal outcomes.</a:t>
             </a:r>
           </a:p>
           <a:p>
-            <a:endParaRPr lang="en-US" dirty="0"/>
+            <a:endParaRPr lang="en-US" b="0" dirty="0"/>
           </a:p>
         </p:txBody>
       </p:sp>
@@ -27168,15 +27168,6 @@
 </file>
 
 <file path=customXml/item1.xml><?xml version="1.0" encoding="utf-8"?>
-<?mso-contentType ?>
-<FormTemplates xmlns="http://schemas.microsoft.com/sharepoint/v3/contenttype/forms">
-  <Display>DocumentLibraryForm</Display>
-  <Edit>DocumentLibraryForm</Edit>
-  <New>DocumentLibraryForm</New>
-</FormTemplates>
-</file>
-
-<file path=customXml/item2.xml><?xml version="1.0" encoding="utf-8"?>
 <p:properties xmlns:p="http://schemas.microsoft.com/office/2006/metadata/properties" xmlns:xsi="http://www.w3.org/2001/XMLSchema-instance" xmlns:pc="http://schemas.microsoft.com/office/infopath/2007/PartnerControls">
   <documentManagement>
     <_ip_UnifiedCompliancePolicyUIAction xmlns="http://schemas.microsoft.com/sharepoint/v3" xsi:nil="true"/>
@@ -27194,6 +27185,15 @@
     <MediaServiceKeyPoints xmlns="71af3243-3dd4-4a8d-8c0d-dd76da1f02a5" xsi:nil="true"/>
   </documentManagement>
 </p:properties>
+</file>
+
+<file path=customXml/item2.xml><?xml version="1.0" encoding="utf-8"?>
+<?mso-contentType ?>
+<FormTemplates xmlns="http://schemas.microsoft.com/sharepoint/v3/contenttype/forms">
+  <Display>DocumentLibraryForm</Display>
+  <Edit>DocumentLibraryForm</Edit>
+  <New>DocumentLibraryForm</New>
+</FormTemplates>
 </file>
 
 <file path=customXml/item3.xml><?xml version="1.0" encoding="utf-8"?>
@@ -27509,14 +27509,6 @@
 </file>
 
 <file path=customXml/itemProps1.xml><?xml version="1.0" encoding="utf-8"?>
-<ds:datastoreItem xmlns:ds="http://schemas.openxmlformats.org/officeDocument/2006/customXml" ds:itemID="{45515263-A3DE-4193-B6AA-5C449C94519F}">
-  <ds:schemaRefs>
-    <ds:schemaRef ds:uri="http://schemas.microsoft.com/sharepoint/v3/contenttype/forms"/>
-  </ds:schemaRefs>
-</ds:datastoreItem>
-</file>
-
-<file path=customXml/itemProps2.xml><?xml version="1.0" encoding="utf-8"?>
 <ds:datastoreItem xmlns:ds="http://schemas.openxmlformats.org/officeDocument/2006/customXml" ds:itemID="{A0AD9BE2-6B3D-4616-B044-300A8177DEA5}">
   <ds:schemaRefs>
     <ds:schemaRef ds:uri="http://schemas.microsoft.com/office/2006/metadata/properties"/>
@@ -27524,6 +27516,14 @@
     <ds:schemaRef ds:uri="http://schemas.microsoft.com/sharepoint/v3"/>
     <ds:schemaRef ds:uri="71af3243-3dd4-4a8d-8c0d-dd76da1f02a5"/>
     <ds:schemaRef ds:uri="230e9df3-be65-4c73-a93b-d1236ebd677e"/>
+  </ds:schemaRefs>
+</ds:datastoreItem>
+</file>
+
+<file path=customXml/itemProps2.xml><?xml version="1.0" encoding="utf-8"?>
+<ds:datastoreItem xmlns:ds="http://schemas.openxmlformats.org/officeDocument/2006/customXml" ds:itemID="{45515263-A3DE-4193-B6AA-5C449C94519F}">
+  <ds:schemaRefs>
+    <ds:schemaRef ds:uri="http://schemas.microsoft.com/sharepoint/v3/contenttype/forms"/>
   </ds:schemaRefs>
 </ds:datastoreItem>
 </file>
